--- a/영화 예약 플랫폼.pptx
+++ b/영화 예약 플랫폼.pptx
@@ -4203,7 +4203,7 @@
         </p:nvSpPr>
         <p:spPr>
           <a:xfrm>
-            <a:off x="1233583" y="3429000"/>
+            <a:off x="1233583" y="3287138"/>
             <a:ext cx="4750954" cy="698659"/>
           </a:xfrm>
           <a:prstGeom prst="rect">
@@ -6304,7 +6304,7 @@
         <p:spPr>
           <a:xfrm>
             <a:off x="771415" y="1829160"/>
-            <a:ext cx="10404254" cy="997860"/>
+            <a:ext cx="10535982" cy="1607460"/>
           </a:xfrm>
           <a:prstGeom prst="rect">
             <a:avLst/>
@@ -6359,7 +6359,7 @@
               </a:rPr>
               <a:t>.</a:t>
             </a:r>
-            <a:endParaRPr xmlns:mc="http://schemas.openxmlformats.org/markup-compatibility/2006" xmlns:hp="http://schemas.haansoft.com/office/presentation/8.0" kumimoji="0" lang="ko-KR" altLang="en-US" sz="2000" i="0" u="none" strike="noStrike" kern="1200" cap="none" spc="0" normalizeH="0" baseline="0" mc:Ignorable="hp" hp:hslEmbossed="0">
+            <a:endParaRPr xmlns:mc="http://schemas.openxmlformats.org/markup-compatibility/2006" xmlns:hp="http://schemas.haansoft.com/office/presentation/8.0" kumimoji="0" lang="en-US" altLang="ko-KR" sz="2000" i="0" u="none" strike="noStrike" kern="1200" cap="none" spc="0" normalizeH="0" baseline="0" mc:Ignorable="hp" hp:hslEmbossed="0">
               <a:solidFill>
                 <a:srgbClr val="000000"/>
               </a:solidFill>
@@ -6381,57 +6381,7 @@
               <a:buNone/>
               <a:defRPr/>
             </a:pPr>
-            <a:r>
-              <a:rPr xmlns:mc="http://schemas.openxmlformats.org/markup-compatibility/2006" xmlns:hp="http://schemas.haansoft.com/office/presentation/8.0" kumimoji="0" lang="en-US" altLang="ko-KR" sz="2000" i="0" u="none" strike="noStrike" kern="1200" cap="none" spc="0" normalizeH="0" baseline="0" mc:Ignorable="hp" hp:hslEmbossed="0">
-                <a:solidFill>
-                  <a:srgbClr val="000000"/>
-                </a:solidFill>
-                <a:latin typeface="휴먼모음T"/>
-                <a:ea typeface="휴먼모음T"/>
-              </a:rPr>
-              <a:t>-</a:t>
-            </a:r>
-            <a:r>
-              <a:rPr xmlns:mc="http://schemas.openxmlformats.org/markup-compatibility/2006" xmlns:hp="http://schemas.haansoft.com/office/presentation/8.0" kumimoji="0" lang="ko-KR" altLang="en-US" sz="2000" i="0" u="none" strike="noStrike" kern="1200" cap="none" spc="0" normalizeH="0" baseline="0" mc:Ignorable="hp" hp:hslEmbossed="0">
-                <a:solidFill>
-                  <a:srgbClr val="000000"/>
-                </a:solidFill>
-                <a:latin typeface="휴먼모음T"/>
-                <a:ea typeface="휴먼모음T"/>
-              </a:rPr>
-              <a:t> 예약이 완료가 되면 데이터베이스의 </a:t>
-            </a:r>
-            <a:r>
-              <a:rPr xmlns:mc="http://schemas.openxmlformats.org/markup-compatibility/2006" xmlns:hp="http://schemas.haansoft.com/office/presentation/8.0" kumimoji="0" lang="en-US" altLang="ko-KR" sz="2000" i="0" u="none" strike="noStrike" kern="1200" cap="none" spc="0" normalizeH="0" baseline="0" mc:Ignorable="hp" hp:hslEmbossed="0">
-                <a:solidFill>
-                  <a:srgbClr val="000000"/>
-                </a:solidFill>
-                <a:latin typeface="휴먼모음T"/>
-                <a:ea typeface="휴먼모음T"/>
-              </a:rPr>
-              <a:t>reservation_id</a:t>
-            </a:r>
-            <a:r>
-              <a:rPr xmlns:mc="http://schemas.openxmlformats.org/markup-compatibility/2006" xmlns:hp="http://schemas.haansoft.com/office/presentation/8.0" kumimoji="0" lang="ko-KR" altLang="en-US" sz="2000" i="0" u="none" strike="noStrike" kern="1200" cap="none" spc="0" normalizeH="0" baseline="0" mc:Ignorable="hp" hp:hslEmbossed="0">
-                <a:solidFill>
-                  <a:srgbClr val="000000"/>
-                </a:solidFill>
-                <a:latin typeface="휴먼모음T"/>
-                <a:ea typeface="휴먼모음T"/>
-              </a:rPr>
-              <a:t>를 통해 먹거리를 예약하는 기능을 추가합니다</a:t>
-            </a:r>
-            <a:r>
-              <a:rPr xmlns:mc="http://schemas.openxmlformats.org/markup-compatibility/2006" xmlns:hp="http://schemas.haansoft.com/office/presentation/8.0" kumimoji="0" lang="en-US" altLang="ko-KR" sz="2000" i="0" u="none" strike="noStrike" kern="1200" cap="none" spc="0" normalizeH="0" baseline="0" mc:Ignorable="hp" hp:hslEmbossed="0">
-                <a:solidFill>
-                  <a:srgbClr val="000000"/>
-                </a:solidFill>
-                <a:latin typeface="휴먼모음T"/>
-                <a:ea typeface="휴먼모음T"/>
-              </a:rPr>
-              <a:t>.</a:t>
-            </a:r>
-            <a:endParaRPr xmlns:mc="http://schemas.openxmlformats.org/markup-compatibility/2006" xmlns:hp="http://schemas.haansoft.com/office/presentation/8.0" kumimoji="0" lang="ko-KR" altLang="en-US" sz="2000" i="0" u="none" strike="noStrike" kern="1200" cap="none" spc="0" normalizeH="0" baseline="0" mc:Ignorable="hp" hp:hslEmbossed="0">
+            <a:endParaRPr xmlns:mc="http://schemas.openxmlformats.org/markup-compatibility/2006" xmlns:hp="http://schemas.haansoft.com/office/presentation/8.0" kumimoji="0" lang="en-US" altLang="ko-KR" sz="2000" i="0" u="none" strike="noStrike" kern="1200" cap="none" spc="0" normalizeH="0" baseline="0" mc:Ignorable="hp" hp:hslEmbossed="0">
               <a:solidFill>
                 <a:srgbClr val="000000"/>
               </a:solidFill>
@@ -6471,7 +6421,101 @@
                 <a:latin typeface="휴먼모음T"/>
                 <a:ea typeface="휴먼모음T"/>
               </a:rPr>
-              <a:t> 하나의 플랫폼에서 영화와 먹거리를 동시에 해결할 수 있는 플랫폼입니다</a:t>
+              <a:t> 예약이 완료되면 데이터베이스의 </a:t>
+            </a:r>
+            <a:r>
+              <a:rPr xmlns:mc="http://schemas.openxmlformats.org/markup-compatibility/2006" xmlns:hp="http://schemas.haansoft.com/office/presentation/8.0" kumimoji="0" lang="en-US" altLang="ko-KR" sz="2000" i="0" u="none" strike="noStrike" kern="1200" cap="none" spc="0" normalizeH="0" baseline="0" mc:Ignorable="hp" hp:hslEmbossed="0">
+                <a:solidFill>
+                  <a:srgbClr val="000000"/>
+                </a:solidFill>
+                <a:latin typeface="휴먼모음T"/>
+                <a:ea typeface="휴먼모음T"/>
+              </a:rPr>
+              <a:t>reservation_id</a:t>
+            </a:r>
+            <a:r>
+              <a:rPr xmlns:mc="http://schemas.openxmlformats.org/markup-compatibility/2006" xmlns:hp="http://schemas.haansoft.com/office/presentation/8.0" kumimoji="0" lang="ko-KR" altLang="en-US" sz="2000" i="0" u="none" strike="noStrike" kern="1200" cap="none" spc="0" normalizeH="0" baseline="0" mc:Ignorable="hp" hp:hslEmbossed="0">
+                <a:solidFill>
+                  <a:srgbClr val="000000"/>
+                </a:solidFill>
+                <a:latin typeface="휴먼모음T"/>
+                <a:ea typeface="휴먼모음T"/>
+              </a:rPr>
+              <a:t>를 통해 먹거리를 예약하는 기능을 추가합니다</a:t>
+            </a:r>
+            <a:r>
+              <a:rPr xmlns:mc="http://schemas.openxmlformats.org/markup-compatibility/2006" xmlns:hp="http://schemas.haansoft.com/office/presentation/8.0" kumimoji="0" lang="en-US" altLang="ko-KR" sz="2000" i="0" u="none" strike="noStrike" kern="1200" cap="none" spc="0" normalizeH="0" baseline="0" mc:Ignorable="hp" hp:hslEmbossed="0">
+                <a:solidFill>
+                  <a:srgbClr val="000000"/>
+                </a:solidFill>
+                <a:latin typeface="휴먼모음T"/>
+                <a:ea typeface="휴먼모음T"/>
+              </a:rPr>
+              <a:t>.</a:t>
+            </a:r>
+            <a:endParaRPr xmlns:mc="http://schemas.openxmlformats.org/markup-compatibility/2006" xmlns:hp="http://schemas.haansoft.com/office/presentation/8.0" kumimoji="0" lang="en-US" altLang="ko-KR" sz="2000" i="0" u="none" strike="noStrike" kern="1200" cap="none" spc="0" normalizeH="0" baseline="0" mc:Ignorable="hp" hp:hslEmbossed="0">
+              <a:solidFill>
+                <a:srgbClr val="000000"/>
+              </a:solidFill>
+              <a:latin typeface="휴먼모음T"/>
+              <a:ea typeface="휴먼모음T"/>
+            </a:endParaRPr>
+          </a:p>
+          <a:p>
+            <a:pPr marL="0" lvl="0" indent="0" defTabSz="914400" rtl="0" eaLnBrk="1" latinLnBrk="1" hangingPunct="1">
+              <a:lnSpc>
+                <a:spcPct val="100000"/>
+              </a:lnSpc>
+              <a:spcBef>
+                <a:spcPts val="0"/>
+              </a:spcBef>
+              <a:spcAft>
+                <a:spcPts val="0"/>
+              </a:spcAft>
+              <a:buNone/>
+              <a:defRPr/>
+            </a:pPr>
+            <a:endParaRPr xmlns:mc="http://schemas.openxmlformats.org/markup-compatibility/2006" xmlns:hp="http://schemas.haansoft.com/office/presentation/8.0" kumimoji="0" lang="en-US" altLang="ko-KR" sz="2000" i="0" u="none" strike="noStrike" kern="1200" cap="none" spc="0" normalizeH="0" baseline="0" mc:Ignorable="hp" hp:hslEmbossed="0">
+              <a:solidFill>
+                <a:srgbClr val="000000"/>
+              </a:solidFill>
+              <a:latin typeface="휴먼모음T"/>
+              <a:ea typeface="휴먼모음T"/>
+            </a:endParaRPr>
+          </a:p>
+          <a:p>
+            <a:pPr marL="0" lvl="0" indent="0" defTabSz="914400" rtl="0" eaLnBrk="1" latinLnBrk="1" hangingPunct="1">
+              <a:lnSpc>
+                <a:spcPct val="100000"/>
+              </a:lnSpc>
+              <a:spcBef>
+                <a:spcPts val="0"/>
+              </a:spcBef>
+              <a:spcAft>
+                <a:spcPts val="0"/>
+              </a:spcAft>
+              <a:buNone/>
+              <a:defRPr/>
+            </a:pPr>
+            <a:r>
+              <a:rPr xmlns:mc="http://schemas.openxmlformats.org/markup-compatibility/2006" xmlns:hp="http://schemas.haansoft.com/office/presentation/8.0" kumimoji="0" lang="en-US" altLang="ko-KR" sz="2000" i="0" u="none" strike="noStrike" kern="1200" cap="none" spc="0" normalizeH="0" baseline="0" mc:Ignorable="hp" hp:hslEmbossed="0">
+                <a:solidFill>
+                  <a:srgbClr val="000000"/>
+                </a:solidFill>
+                <a:latin typeface="휴먼모음T"/>
+                <a:ea typeface="휴먼모음T"/>
+              </a:rPr>
+              <a:t>-</a:t>
+            </a:r>
+            <a:r>
+              <a:rPr xmlns:mc="http://schemas.openxmlformats.org/markup-compatibility/2006" xmlns:hp="http://schemas.haansoft.com/office/presentation/8.0" kumimoji="0" lang="ko-KR" altLang="en-US" sz="2000" i="0" u="none" strike="noStrike" kern="1200" cap="none" spc="0" normalizeH="0" baseline="0" mc:Ignorable="hp" hp:hslEmbossed="0">
+                <a:solidFill>
+                  <a:srgbClr val="000000"/>
+                </a:solidFill>
+                <a:latin typeface="휴먼모음T"/>
+                <a:ea typeface="휴먼모음T"/>
+              </a:rPr>
+              <a:t> 그리하여 최종 시나리오는 하나의 플랫폼에서 영화와 먹거리를 동시에 해결할 수 있는 플랫폼입니다</a:t>
             </a:r>
             <a:r>
               <a:rPr xmlns:mc="http://schemas.openxmlformats.org/markup-compatibility/2006" xmlns:hp="http://schemas.haansoft.com/office/presentation/8.0" kumimoji="0" lang="en-US" altLang="ko-KR" sz="2000" i="0" u="none" strike="noStrike" kern="1200" cap="none" spc="0" normalizeH="0" baseline="0" mc:Ignorable="hp" hp:hslEmbossed="0">

--- a/영화 예약 플랫폼.pptx
+++ b/영화 예약 플랫폼.pptx
@@ -10,10 +10,11 @@
   <p:sldIdLst>
     <p:sldId id="257" r:id="rId3"/>
     <p:sldId id="258" r:id="rId4"/>
-    <p:sldId id="259" r:id="rId5"/>
-    <p:sldId id="256" r:id="rId6"/>
-    <p:sldId id="260" r:id="rId7"/>
-    <p:sldId id="261" r:id="rId8"/>
+    <p:sldId id="262" r:id="rId5"/>
+    <p:sldId id="259" r:id="rId6"/>
+    <p:sldId id="256" r:id="rId7"/>
+    <p:sldId id="260" r:id="rId8"/>
+    <p:sldId id="261" r:id="rId9"/>
   </p:sldIdLst>
   <p:sldSz cx="12192000" cy="6858000"/>
   <p:notesSz cx="6858000" cy="9144000"/>
@@ -4462,7 +4463,7 @@
         </p:nvSpPr>
         <p:spPr>
           <a:xfrm>
-            <a:off x="771415" y="1829160"/>
+            <a:off x="710617" y="2126340"/>
             <a:ext cx="10404254" cy="1302660"/>
           </a:xfrm>
           <a:prstGeom prst="rect">
@@ -4909,6 +4910,307 @@
               <a:t>시나리오</a:t>
             </a:r>
             <a:endParaRPr xmlns:mc="http://schemas.openxmlformats.org/markup-compatibility/2006" xmlns:hp="http://schemas.haansoft.com/office/presentation/8.0" kumimoji="0" lang="ko-KR" altLang="en-US" sz="5000" b="1" i="0" u="none" strike="noStrike" kern="1200" cap="none" spc="0" normalizeH="0" baseline="0" mc:Ignorable="hp" hp:hslEmbossed="0">
+              <a:solidFill>
+                <a:srgbClr val="000000"/>
+              </a:solidFill>
+              <a:latin typeface="휴먼모음T"/>
+              <a:ea typeface="휴먼모음T"/>
+            </a:endParaRPr>
+          </a:p>
+        </p:txBody>
+      </p:sp>
+      <p:pic>
+        <p:nvPicPr>
+          <p:cNvPr id="13" name="그림 12"/>
+          <p:cNvPicPr>
+            <a:picLocks noChangeAspect="1"/>
+          </p:cNvPicPr>
+          <p:nvPr/>
+        </p:nvPicPr>
+        <p:blipFill rotWithShape="1">
+          <a:blip r:embed="rId2"/>
+          <a:stretch>
+            <a:fillRect/>
+          </a:stretch>
+        </p:blipFill>
+        <p:spPr>
+          <a:xfrm>
+            <a:off x="7361203" y="3648918"/>
+            <a:ext cx="1941745" cy="1941745"/>
+          </a:xfrm>
+          <a:prstGeom prst="rect">
+            <a:avLst/>
+          </a:prstGeom>
+        </p:spPr>
+      </p:pic>
+      <p:pic>
+        <p:nvPicPr>
+          <p:cNvPr id="14" name="그림 13"/>
+          <p:cNvPicPr>
+            <a:picLocks noChangeAspect="1"/>
+          </p:cNvPicPr>
+          <p:nvPr/>
+        </p:nvPicPr>
+        <p:blipFill rotWithShape="1">
+          <a:blip r:embed="rId3"/>
+          <a:stretch>
+            <a:fillRect/>
+          </a:stretch>
+        </p:blipFill>
+        <p:spPr>
+          <a:xfrm>
+            <a:off x="2208888" y="3648918"/>
+            <a:ext cx="2231483" cy="2231483"/>
+          </a:xfrm>
+          <a:prstGeom prst="rect">
+            <a:avLst/>
+          </a:prstGeom>
+        </p:spPr>
+      </p:pic>
+      <p:sp>
+        <p:nvSpPr>
+          <p:cNvPr id="15" name="오른쪽 화살표 14"/>
+          <p:cNvSpPr/>
+          <p:nvPr/>
+        </p:nvSpPr>
+        <p:spPr>
+          <a:xfrm>
+            <a:off x="5426363" y="4219373"/>
+            <a:ext cx="1094359" cy="942367"/>
+          </a:xfrm>
+          <a:prstGeom prst="rightArrow">
+            <a:avLst>
+              <a:gd name="adj1" fmla="val 50000"/>
+              <a:gd name="adj2" fmla="val 50000"/>
+            </a:avLst>
+          </a:prstGeom>
+          <a:solidFill>
+            <a:srgbClr val="ffffff">
+              <a:alpha val="100000"/>
+            </a:srgbClr>
+          </a:solidFill>
+          <a:ln w="50800" cap="flat" cmpd="sng" algn="ctr">
+            <a:solidFill>
+              <a:srgbClr val="000000">
+                <a:alpha val="100000"/>
+              </a:srgbClr>
+            </a:solidFill>
+            <a:prstDash val="solid"/>
+          </a:ln>
+        </p:spPr>
+        <p:txBody>
+          <a:bodyPr anchor="ctr"/>
+          <a:p>
+            <a:pPr marL="0" lvl="0" indent="0" algn="ctr" defTabSz="914400" rtl="0" eaLnBrk="1" latinLnBrk="1" hangingPunct="1">
+              <a:lnSpc>
+                <a:spcPct val="100000"/>
+              </a:lnSpc>
+              <a:spcBef>
+                <a:spcPts val="0"/>
+              </a:spcBef>
+              <a:spcAft>
+                <a:spcPts val="0"/>
+              </a:spcAft>
+              <a:buNone/>
+              <a:defRPr/>
+            </a:pPr>
+            <a:endParaRPr xmlns:mc="http://schemas.openxmlformats.org/markup-compatibility/2006" xmlns:hp="http://schemas.haansoft.com/office/presentation/8.0" kumimoji="0" lang="ko-KR" altLang="en-US" sz="1800" b="0" i="0" u="none" strike="noStrike" kern="1200" cap="none" spc="0" normalizeH="0" baseline="0" mc:Ignorable="hp" hp:hslEmbossed="0">
+              <a:solidFill>
+                <a:srgbClr val="ffffff"/>
+              </a:solidFill>
+              <a:latin typeface="Calibri"/>
+              <a:ea typeface="맑은 고딕"/>
+              <a:cs typeface="맑은 고딕"/>
+            </a:endParaRPr>
+          </a:p>
+        </p:txBody>
+      </p:sp>
+    </p:spTree>
+    <p:extLst>
+      <p:ext uri="{BB962C8B-B14F-4D97-AF65-F5344CB8AC3E}">
+        <p14:creationId xmlns:p14="http://schemas.microsoft.com/office/powerpoint/2010/main" val="4183233340"/>
+      </p:ext>
+    </p:extLst>
+  </p:cSld>
+  <p:clrMapOvr>
+    <a:masterClrMapping/>
+  </p:clrMapOvr>
+</p:sld>
+</file>
+
+<file path=ppt/slides/slide4.xml><?xml version="1.0" encoding="utf-8"?>
+<p:sld xmlns:r="http://schemas.openxmlformats.org/officeDocument/2006/relationships" xmlns:c="http://schemas.openxmlformats.org/drawingml/2006/chart" xmlns:a="http://schemas.openxmlformats.org/drawingml/2006/main" xmlns:dgm="http://schemas.openxmlformats.org/drawingml/2006/diagram" xmlns:dsp="http://schemas.microsoft.com/office/drawing/2008/diagram" xmlns:p="http://schemas.openxmlformats.org/presentationml/2006/main">
+  <p:cSld>
+    <p:spTree>
+      <p:nvGrpSpPr>
+        <p:cNvPr id="1" name=""/>
+        <p:cNvGrpSpPr/>
+        <p:nvPr/>
+      </p:nvGrpSpPr>
+      <p:grpSpPr>
+        <a:xfrm>
+          <a:off x="0" y="0"/>
+          <a:ext cx="0" cy="0"/>
+          <a:chOff x="0" y="0"/>
+          <a:chExt cx="0" cy="0"/>
+        </a:xfrm>
+      </p:grpSpPr>
+      <p:grpSp>
+        <p:nvGrpSpPr>
+          <p:cNvPr id="4" name=""/>
+          <p:cNvGrpSpPr/>
+          <p:nvPr/>
+        </p:nvGrpSpPr>
+        <p:grpSpPr>
+          <a:xfrm rot="0">
+            <a:off x="0" y="0"/>
+            <a:ext cx="12192000" cy="6858000"/>
+            <a:chOff x="0" y="0"/>
+            <a:chExt cx="12192000" cy="6858000"/>
+          </a:xfrm>
+        </p:grpSpPr>
+        <p:sp>
+          <p:nvSpPr>
+            <p:cNvPr id="2" name="직사각형 1"/>
+            <p:cNvSpPr/>
+            <p:nvPr/>
+          </p:nvSpPr>
+          <p:spPr>
+            <a:xfrm>
+              <a:off x="0" y="0"/>
+              <a:ext cx="12192000" cy="6858000"/>
+            </a:xfrm>
+            <a:prstGeom prst="rect">
+              <a:avLst/>
+            </a:prstGeom>
+            <a:solidFill>
+              <a:srgbClr val="0000ff">
+                <a:alpha val="50000"/>
+              </a:srgbClr>
+            </a:solidFill>
+            <a:ln>
+              <a:noFill/>
+            </a:ln>
+          </p:spPr>
+          <p:style>
+            <a:lnRef idx="2">
+              <a:schemeClr val="accent1">
+                <a:shade val="20000"/>
+              </a:schemeClr>
+            </a:lnRef>
+            <a:fillRef idx="1">
+              <a:schemeClr val="accent1"/>
+            </a:fillRef>
+            <a:effectRef idx="0">
+              <a:schemeClr val="accent1"/>
+            </a:effectRef>
+            <a:fontRef idx="minor">
+              <a:schemeClr val="lt1"/>
+            </a:fontRef>
+          </p:style>
+          <p:txBody>
+            <a:bodyPr anchor="ctr"/>
+            <a:p>
+              <a:pPr lvl="0" algn="ctr">
+                <a:defRPr/>
+              </a:pPr>
+              <a:endParaRPr lang="ko-KR" altLang="en-US"/>
+            </a:p>
+          </p:txBody>
+        </p:sp>
+        <p:sp>
+          <p:nvSpPr>
+            <p:cNvPr id="3" name="직사각형 2"/>
+            <p:cNvSpPr/>
+            <p:nvPr/>
+          </p:nvSpPr>
+          <p:spPr>
+            <a:xfrm>
+              <a:off x="370866" y="338441"/>
+              <a:ext cx="11460400" cy="6221648"/>
+            </a:xfrm>
+            <a:prstGeom prst="rect">
+              <a:avLst/>
+            </a:prstGeom>
+            <a:solidFill>
+              <a:schemeClr val="lt1"/>
+            </a:solidFill>
+            <a:ln>
+              <a:noFill/>
+            </a:ln>
+          </p:spPr>
+          <p:style>
+            <a:lnRef idx="2">
+              <a:schemeClr val="accent1">
+                <a:shade val="20000"/>
+              </a:schemeClr>
+            </a:lnRef>
+            <a:fillRef idx="1">
+              <a:schemeClr val="accent1"/>
+            </a:fillRef>
+            <a:effectRef idx="0">
+              <a:schemeClr val="accent1"/>
+            </a:effectRef>
+            <a:fontRef idx="minor">
+              <a:schemeClr val="lt1"/>
+            </a:fontRef>
+          </p:style>
+          <p:txBody>
+            <a:bodyPr anchor="ctr"/>
+            <a:p>
+              <a:pPr lvl="0" algn="ctr">
+                <a:defRPr/>
+              </a:pPr>
+              <a:endParaRPr lang="ko-KR" altLang="en-US"/>
+            </a:p>
+          </p:txBody>
+        </p:sp>
+      </p:grpSp>
+      <p:sp>
+        <p:nvSpPr>
+          <p:cNvPr id="8" name="TextBox 103"/>
+          <p:cNvSpPr txBox="1"/>
+          <p:nvPr/>
+        </p:nvSpPr>
+        <p:spPr>
+          <a:xfrm>
+            <a:off x="5053716" y="486947"/>
+            <a:ext cx="2429085" cy="846877"/>
+          </a:xfrm>
+          <a:prstGeom prst="rect">
+            <a:avLst/>
+          </a:prstGeom>
+          <a:noFill/>
+        </p:spPr>
+        <p:txBody>
+          <a:bodyPr wrap="square">
+            <a:spAutoFit/>
+          </a:bodyPr>
+          <a:p>
+            <a:pPr marL="0" lvl="0" indent="0" algn="ctr" defTabSz="914400" rtl="0" eaLnBrk="1" latinLnBrk="1" hangingPunct="1">
+              <a:lnSpc>
+                <a:spcPct val="100000"/>
+              </a:lnSpc>
+              <a:spcBef>
+                <a:spcPts val="0"/>
+              </a:spcBef>
+              <a:spcAft>
+                <a:spcPts val="0"/>
+              </a:spcAft>
+              <a:buNone/>
+              <a:defRPr/>
+            </a:pPr>
+            <a:r>
+              <a:rPr xmlns:mc="http://schemas.openxmlformats.org/markup-compatibility/2006" xmlns:hp="http://schemas.haansoft.com/office/presentation/8.0" kumimoji="0" lang="en-US" altLang="ko-KR" sz="5000" b="1" i="0" u="none" strike="noStrike" kern="1200" cap="none" spc="0" normalizeH="0" baseline="0" mc:Ignorable="hp" hp:hslEmbossed="0">
+                <a:solidFill>
+                  <a:srgbClr val="000000"/>
+                </a:solidFill>
+                <a:latin typeface="휴먼모음T"/>
+                <a:ea typeface="휴먼모음T"/>
+              </a:rPr>
+              <a:t>SQL</a:t>
+            </a:r>
+            <a:endParaRPr xmlns:mc="http://schemas.openxmlformats.org/markup-compatibility/2006" xmlns:hp="http://schemas.haansoft.com/office/presentation/8.0" kumimoji="0" lang="en-US" altLang="ko-KR" sz="5000" b="1" i="0" u="none" strike="noStrike" kern="1200" cap="none" spc="0" normalizeH="0" baseline="0" mc:Ignorable="hp" hp:hslEmbossed="0">
               <a:solidFill>
                 <a:srgbClr val="000000"/>
               </a:solidFill>
@@ -4934,7 +5236,7 @@
         </p:blipFill>
         <p:spPr>
           <a:xfrm>
-            <a:off x="1405641" y="3429000"/>
+            <a:off x="970531" y="1622695"/>
             <a:ext cx="3648075" cy="1181100"/>
           </a:xfrm>
           <a:prstGeom prst="rect">
@@ -4958,7 +5260,7 @@
         </p:blipFill>
         <p:spPr>
           <a:xfrm>
-            <a:off x="6886370" y="3390900"/>
+            <a:off x="6530854" y="1622695"/>
             <a:ext cx="3771900" cy="1219200"/>
           </a:xfrm>
           <a:prstGeom prst="rect">
@@ -4982,8 +5284,32 @@
         </p:blipFill>
         <p:spPr>
           <a:xfrm>
-            <a:off x="1914525" y="4987732"/>
+            <a:off x="970530" y="3029432"/>
             <a:ext cx="8362950" cy="1228725"/>
+          </a:xfrm>
+          <a:prstGeom prst="rect">
+            <a:avLst/>
+          </a:prstGeom>
+        </p:spPr>
+      </p:pic>
+      <p:pic>
+        <p:nvPicPr>
+          <p:cNvPr id="12" name="그림 11"/>
+          <p:cNvPicPr>
+            <a:picLocks noChangeAspect="1"/>
+          </p:cNvPicPr>
+          <p:nvPr/>
+        </p:nvPicPr>
+        <p:blipFill rotWithShape="1">
+          <a:blip r:embed="rId5"/>
+          <a:stretch>
+            <a:fillRect/>
+          </a:stretch>
+        </p:blipFill>
+        <p:spPr>
+          <a:xfrm>
+            <a:off x="970530" y="4410152"/>
+            <a:ext cx="9514618" cy="1962150"/>
           </a:xfrm>
           <a:prstGeom prst="rect">
             <a:avLst/>
@@ -5003,7 +5329,7 @@
 </p:sld>
 </file>
 
-<file path=ppt/slides/slide4.xml><?xml version="1.0" encoding="utf-8"?>
+<file path=ppt/slides/slide5.xml><?xml version="1.0" encoding="utf-8"?>
 <p:sld xmlns:r="http://schemas.openxmlformats.org/officeDocument/2006/relationships" xmlns:c="http://schemas.openxmlformats.org/drawingml/2006/chart" xmlns:a="http://schemas.openxmlformats.org/drawingml/2006/main" xmlns:dgm="http://schemas.openxmlformats.org/drawingml/2006/diagram" xmlns:dsp="http://schemas.microsoft.com/office/drawing/2008/diagram" xmlns:p="http://schemas.openxmlformats.org/presentationml/2006/main">
   <p:cSld>
     <p:spTree>
@@ -6167,7 +6493,7 @@
 </p:sld>
 </file>
 
-<file path=ppt/slides/slide5.xml><?xml version="1.0" encoding="utf-8"?>
+<file path=ppt/slides/slide6.xml><?xml version="1.0" encoding="utf-8"?>
 <p:sld xmlns:r="http://schemas.openxmlformats.org/officeDocument/2006/relationships" xmlns:c="http://schemas.openxmlformats.org/drawingml/2006/chart" xmlns:a="http://schemas.openxmlformats.org/drawingml/2006/main" xmlns:dgm="http://schemas.openxmlformats.org/drawingml/2006/diagram" xmlns:dsp="http://schemas.microsoft.com/office/drawing/2008/diagram" xmlns:p="http://schemas.openxmlformats.org/presentationml/2006/main">
   <p:cSld>
     <p:spTree>
@@ -6714,7 +7040,7 @@
 </p:sld>
 </file>
 
-<file path=ppt/slides/slide6.xml><?xml version="1.0" encoding="utf-8"?>
+<file path=ppt/slides/slide7.xml><?xml version="1.0" encoding="utf-8"?>
 <p:sld xmlns:r="http://schemas.openxmlformats.org/officeDocument/2006/relationships" xmlns:c="http://schemas.openxmlformats.org/drawingml/2006/chart" xmlns:a="http://schemas.openxmlformats.org/drawingml/2006/main" xmlns:dgm="http://schemas.openxmlformats.org/drawingml/2006/diagram" xmlns:dsp="http://schemas.microsoft.com/office/drawing/2008/diagram" xmlns:p="http://schemas.openxmlformats.org/presentationml/2006/main">
   <p:cSld>
     <p:spTree>

--- a/영화 예약 플랫폼.pptx
+++ b/영화 예약 플랫폼.pptx
@@ -6398,8 +6398,8 @@
         </p:nvCxnSpPr>
         <p:spPr>
           <a:xfrm rot="16200000" flipH="1">
-            <a:off x="2487901" y="3051479"/>
-            <a:ext cx="3414041" cy="1037993"/>
+            <a:off x="2624696" y="3188273"/>
+            <a:ext cx="3140451" cy="1037993"/>
           </a:xfrm>
           <a:prstGeom prst="straightConnector1">
             <a:avLst/>
